--- a/プロダクト課題（岡崎優尋）.pptx
+++ b/プロダクト課題（岡崎優尋）.pptx
@@ -32969,572 +32969,593 @@
           </a:p>
         </p:txBody>
       </p:sp>
-      <p:pic>
-        <p:nvPicPr>
-          <p:cNvPr id="1026" name="Picture 2" descr="Deploy your Ember project to Heroku from Github | by Philip Mutua | Medium">
+      <p:grpSp>
+        <p:nvGrpSpPr>
+          <p:cNvPr id="3" name="グループ化 2">
             <a:extLst>
               <a:ext uri="{FF2B5EF4-FFF2-40B4-BE49-F238E27FC236}">
-                <a16:creationId xmlns:a16="http://schemas.microsoft.com/office/drawing/2014/main" id="{AB101B0B-DAE7-4AB3-8BA1-164D06C6260A}"/>
+                <a16:creationId xmlns:a16="http://schemas.microsoft.com/office/drawing/2014/main" id="{FCFD82E2-8C6D-4C25-BC50-4803A8B479F3}"/>
               </a:ext>
             </a:extLst>
           </p:cNvPr>
-          <p:cNvPicPr>
-            <a:picLocks noChangeAspect="1" noChangeArrowheads="1"/>
-          </p:cNvPicPr>
+          <p:cNvGrpSpPr/>
           <p:nvPr/>
-        </p:nvPicPr>
-        <p:blipFill>
-          <a:blip r:embed="rId2">
+        </p:nvGrpSpPr>
+        <p:grpSpPr>
+          <a:xfrm>
+            <a:off x="385097" y="1973362"/>
+            <a:ext cx="11510852" cy="4510018"/>
+            <a:chOff x="385097" y="1973362"/>
+            <a:chExt cx="11510852" cy="4510018"/>
+          </a:xfrm>
+        </p:grpSpPr>
+        <p:pic>
+          <p:nvPicPr>
+            <p:cNvPr id="1026" name="Picture 2" descr="Deploy your Ember project to Heroku from Github | by Philip Mutua | Medium">
+              <a:extLst>
+                <a:ext uri="{FF2B5EF4-FFF2-40B4-BE49-F238E27FC236}">
+                  <a16:creationId xmlns:a16="http://schemas.microsoft.com/office/drawing/2014/main" id="{AB101B0B-DAE7-4AB3-8BA1-164D06C6260A}"/>
+                </a:ext>
+              </a:extLst>
+            </p:cNvPr>
+            <p:cNvPicPr>
+              <a:picLocks noChangeAspect="1" noChangeArrowheads="1"/>
+            </p:cNvPicPr>
+            <p:nvPr/>
+          </p:nvPicPr>
+          <p:blipFill>
+            <a:blip r:embed="rId2">
+              <a:extLst>
+                <a:ext uri="{28A0092B-C50C-407E-A947-70E740481C1C}">
+                  <a14:useLocalDpi xmlns:a14="http://schemas.microsoft.com/office/drawing/2010/main" val="0"/>
+                </a:ext>
+              </a:extLst>
+            </a:blip>
+            <a:srcRect/>
+            <a:stretch>
+              <a:fillRect/>
+            </a:stretch>
+          </p:blipFill>
+          <p:spPr bwMode="auto">
+            <a:xfrm>
+              <a:off x="6513627" y="4806517"/>
+              <a:ext cx="3971109" cy="1676863"/>
+            </a:xfrm>
+            <a:prstGeom prst="rect">
+              <a:avLst/>
+            </a:prstGeom>
+            <a:noFill/>
             <a:extLst>
-              <a:ext uri="{28A0092B-C50C-407E-A947-70E740481C1C}">
-                <a14:useLocalDpi xmlns:a14="http://schemas.microsoft.com/office/drawing/2010/main" val="0"/>
+              <a:ext uri="{909E8E84-426E-40DD-AFC4-6F175D3DCCD1}">
+                <a14:hiddenFill xmlns:a14="http://schemas.microsoft.com/office/drawing/2010/main">
+                  <a:solidFill>
+                    <a:srgbClr val="FFFFFF"/>
+                  </a:solidFill>
+                </a14:hiddenFill>
               </a:ext>
             </a:extLst>
-          </a:blip>
-          <a:srcRect/>
-          <a:stretch>
-            <a:fillRect/>
-          </a:stretch>
-        </p:blipFill>
-        <p:spPr bwMode="auto">
-          <a:xfrm>
-            <a:off x="6513627" y="4806517"/>
-            <a:ext cx="3971109" cy="1676863"/>
-          </a:xfrm>
-          <a:prstGeom prst="rect">
-            <a:avLst/>
-          </a:prstGeom>
-          <a:noFill/>
-          <a:extLst>
-            <a:ext uri="{909E8E84-426E-40DD-AFC4-6F175D3DCCD1}">
-              <a14:hiddenFill xmlns:a14="http://schemas.microsoft.com/office/drawing/2010/main">
-                <a:solidFill>
-                  <a:srgbClr val="FFFFFF"/>
-                </a:solidFill>
-              </a14:hiddenFill>
-            </a:ext>
-          </a:extLst>
-        </p:spPr>
-      </p:pic>
-      <p:pic>
-        <p:nvPicPr>
-          <p:cNvPr id="1028" name="Picture 4">
+          </p:spPr>
+        </p:pic>
+        <p:pic>
+          <p:nvPicPr>
+            <p:cNvPr id="1028" name="Picture 4">
+              <a:extLst>
+                <a:ext uri="{FF2B5EF4-FFF2-40B4-BE49-F238E27FC236}">
+                  <a16:creationId xmlns:a16="http://schemas.microsoft.com/office/drawing/2014/main" id="{B2A41EC1-25CC-4B22-8B58-61272300CB59}"/>
+                </a:ext>
+              </a:extLst>
+            </p:cNvPr>
+            <p:cNvPicPr>
+              <a:picLocks noChangeAspect="1" noChangeArrowheads="1"/>
+            </p:cNvPicPr>
+            <p:nvPr/>
+          </p:nvPicPr>
+          <p:blipFill rotWithShape="1">
+            <a:blip r:embed="rId3">
+              <a:extLst>
+                <a:ext uri="{28A0092B-C50C-407E-A947-70E740481C1C}">
+                  <a14:useLocalDpi xmlns:a14="http://schemas.microsoft.com/office/drawing/2010/main" val="0"/>
+                </a:ext>
+              </a:extLst>
+            </a:blip>
+            <a:srcRect r="41104"/>
+            <a:stretch/>
+          </p:blipFill>
+          <p:spPr bwMode="auto">
+            <a:xfrm>
+              <a:off x="385097" y="1973362"/>
+              <a:ext cx="5407914" cy="3810000"/>
+            </a:xfrm>
+            <a:prstGeom prst="rect">
+              <a:avLst/>
+            </a:prstGeom>
+            <a:noFill/>
             <a:extLst>
-              <a:ext uri="{FF2B5EF4-FFF2-40B4-BE49-F238E27FC236}">
-                <a16:creationId xmlns:a16="http://schemas.microsoft.com/office/drawing/2014/main" id="{B2A41EC1-25CC-4B22-8B58-61272300CB59}"/>
+              <a:ext uri="{909E8E84-426E-40DD-AFC4-6F175D3DCCD1}">
+                <a14:hiddenFill xmlns:a14="http://schemas.microsoft.com/office/drawing/2010/main">
+                  <a:solidFill>
+                    <a:srgbClr val="FFFFFF"/>
+                  </a:solidFill>
+                </a14:hiddenFill>
               </a:ext>
             </a:extLst>
-          </p:cNvPr>
-          <p:cNvPicPr>
-            <a:picLocks noChangeAspect="1" noChangeArrowheads="1"/>
-          </p:cNvPicPr>
-          <p:nvPr/>
-        </p:nvPicPr>
-        <p:blipFill rotWithShape="1">
-          <a:blip r:embed="rId3">
+          </p:spPr>
+        </p:pic>
+        <p:sp>
+          <p:nvSpPr>
+            <p:cNvPr id="4" name="四角形: 角を丸くする 3">
+              <a:extLst>
+                <a:ext uri="{FF2B5EF4-FFF2-40B4-BE49-F238E27FC236}">
+                  <a16:creationId xmlns:a16="http://schemas.microsoft.com/office/drawing/2014/main" id="{1BDFCEE3-839B-4E51-BAE0-0902513797B8}"/>
+                </a:ext>
+              </a:extLst>
+            </p:cNvPr>
+            <p:cNvSpPr/>
+            <p:nvPr/>
+          </p:nvSpPr>
+          <p:spPr>
+            <a:xfrm>
+              <a:off x="6052994" y="2333846"/>
+              <a:ext cx="4587675" cy="3862127"/>
+            </a:xfrm>
+            <a:prstGeom prst="roundRect">
+              <a:avLst>
+                <a:gd name="adj" fmla="val 2475"/>
+              </a:avLst>
+            </a:prstGeom>
+            <a:noFill/>
+            <a:ln>
+              <a:solidFill>
+                <a:schemeClr val="bg1">
+                  <a:lumMod val="75000"/>
+                </a:schemeClr>
+              </a:solidFill>
+            </a:ln>
+          </p:spPr>
+          <p:style>
+            <a:lnRef idx="2">
+              <a:schemeClr val="accent1">
+                <a:shade val="50000"/>
+              </a:schemeClr>
+            </a:lnRef>
+            <a:fillRef idx="1">
+              <a:schemeClr val="accent1"/>
+            </a:fillRef>
+            <a:effectRef idx="0">
+              <a:schemeClr val="accent1"/>
+            </a:effectRef>
+            <a:fontRef idx="minor">
+              <a:schemeClr val="lt1"/>
+            </a:fontRef>
+          </p:style>
+          <p:txBody>
+            <a:bodyPr rtlCol="0" anchor="ctr"/>
+            <a:lstStyle/>
+            <a:p>
+              <a:pPr algn="ctr"/>
+              <a:endParaRPr kumimoji="1" lang="ja-JP" altLang="en-US" dirty="0"/>
+            </a:p>
+          </p:txBody>
+        </p:sp>
+        <p:pic>
+          <p:nvPicPr>
+            <p:cNvPr id="6" name="図 5" descr="プレート, カップ, 挿絵 が含まれている画像&#10;&#10;自動的に生成された説明">
+              <a:extLst>
+                <a:ext uri="{FF2B5EF4-FFF2-40B4-BE49-F238E27FC236}">
+                  <a16:creationId xmlns:a16="http://schemas.microsoft.com/office/drawing/2014/main" id="{F84ED88A-9AB4-4EF1-AFCE-5015387D74A5}"/>
+                </a:ext>
+              </a:extLst>
+            </p:cNvPr>
+            <p:cNvPicPr>
+              <a:picLocks noChangeAspect="1"/>
+            </p:cNvPicPr>
+            <p:nvPr/>
+          </p:nvPicPr>
+          <p:blipFill>
+            <a:blip r:embed="rId4">
+              <a:extLst>
+                <a:ext uri="{28A0092B-C50C-407E-A947-70E740481C1C}">
+                  <a14:useLocalDpi xmlns:a14="http://schemas.microsoft.com/office/drawing/2010/main" val="0"/>
+                </a:ext>
+              </a:extLst>
+            </a:blip>
+            <a:stretch>
+              <a:fillRect/>
+            </a:stretch>
+          </p:blipFill>
+          <p:spPr>
+            <a:xfrm>
+              <a:off x="7613973" y="3537986"/>
+              <a:ext cx="1465713" cy="615180"/>
+            </a:xfrm>
+            <a:prstGeom prst="rect">
+              <a:avLst/>
+            </a:prstGeom>
+          </p:spPr>
+        </p:pic>
+        <p:pic>
+          <p:nvPicPr>
+            <p:cNvPr id="1030" name="Picture 6">
+              <a:extLst>
+                <a:ext uri="{FF2B5EF4-FFF2-40B4-BE49-F238E27FC236}">
+                  <a16:creationId xmlns:a16="http://schemas.microsoft.com/office/drawing/2014/main" id="{E34C42D0-4D9A-4B47-B4DE-E0AFB91F6801}"/>
+                </a:ext>
+              </a:extLst>
+            </p:cNvPr>
+            <p:cNvPicPr>
+              <a:picLocks noChangeAspect="1" noChangeArrowheads="1"/>
+            </p:cNvPicPr>
+            <p:nvPr/>
+          </p:nvPicPr>
+          <p:blipFill rotWithShape="1">
+            <a:blip r:embed="rId5">
+              <a:extLst>
+                <a:ext uri="{28A0092B-C50C-407E-A947-70E740481C1C}">
+                  <a14:useLocalDpi xmlns:a14="http://schemas.microsoft.com/office/drawing/2010/main" val="0"/>
+                </a:ext>
+              </a:extLst>
+            </a:blip>
+            <a:srcRect t="28573" r="5098" b="27100"/>
+            <a:stretch/>
+          </p:blipFill>
+          <p:spPr bwMode="auto">
+            <a:xfrm>
+              <a:off x="7270866" y="4312273"/>
+              <a:ext cx="2194558" cy="768773"/>
+            </a:xfrm>
+            <a:prstGeom prst="rect">
+              <a:avLst/>
+            </a:prstGeom>
+            <a:noFill/>
             <a:extLst>
-              <a:ext uri="{28A0092B-C50C-407E-A947-70E740481C1C}">
-                <a14:useLocalDpi xmlns:a14="http://schemas.microsoft.com/office/drawing/2010/main" val="0"/>
+              <a:ext uri="{909E8E84-426E-40DD-AFC4-6F175D3DCCD1}">
+                <a14:hiddenFill xmlns:a14="http://schemas.microsoft.com/office/drawing/2010/main">
+                  <a:solidFill>
+                    <a:srgbClr val="FFFFFF"/>
+                  </a:solidFill>
+                </a14:hiddenFill>
               </a:ext>
             </a:extLst>
-          </a:blip>
-          <a:srcRect r="41104"/>
-          <a:stretch/>
-        </p:blipFill>
-        <p:spPr bwMode="auto">
-          <a:xfrm>
-            <a:off x="385097" y="1973362"/>
-            <a:ext cx="5407914" cy="3810000"/>
-          </a:xfrm>
-          <a:prstGeom prst="rect">
-            <a:avLst/>
-          </a:prstGeom>
-          <a:noFill/>
-          <a:extLst>
-            <a:ext uri="{909E8E84-426E-40DD-AFC4-6F175D3DCCD1}">
-              <a14:hiddenFill xmlns:a14="http://schemas.microsoft.com/office/drawing/2010/main">
-                <a:solidFill>
-                  <a:srgbClr val="FFFFFF"/>
-                </a:solidFill>
-              </a14:hiddenFill>
-            </a:ext>
-          </a:extLst>
-        </p:spPr>
-      </p:pic>
-      <p:sp>
-        <p:nvSpPr>
-          <p:cNvPr id="4" name="四角形: 角を丸くする 3">
+          </p:spPr>
+        </p:pic>
+        <p:pic>
+          <p:nvPicPr>
+            <p:cNvPr id="1034" name="Picture 10" descr="TensorFlow+Kerasに入門(4. Keras2のConvolution2DとConv2Dの違い？) - FPGA開発日記">
+              <a:extLst>
+                <a:ext uri="{FF2B5EF4-FFF2-40B4-BE49-F238E27FC236}">
+                  <a16:creationId xmlns:a16="http://schemas.microsoft.com/office/drawing/2014/main" id="{4F044B28-8F5E-4BF5-B1D5-D9C0F03C6F26}"/>
+                </a:ext>
+              </a:extLst>
+            </p:cNvPr>
+            <p:cNvPicPr>
+              <a:picLocks noChangeAspect="1" noChangeArrowheads="1"/>
+            </p:cNvPicPr>
+            <p:nvPr/>
+          </p:nvPicPr>
+          <p:blipFill rotWithShape="1">
+            <a:blip r:embed="rId6">
+              <a:extLst>
+                <a:ext uri="{28A0092B-C50C-407E-A947-70E740481C1C}">
+                  <a14:useLocalDpi xmlns:a14="http://schemas.microsoft.com/office/drawing/2010/main" val="0"/>
+                </a:ext>
+              </a:extLst>
+            </a:blip>
+            <a:srcRect l="6216"/>
+            <a:stretch/>
+          </p:blipFill>
+          <p:spPr bwMode="auto">
+            <a:xfrm>
+              <a:off x="7372991" y="2509522"/>
+              <a:ext cx="1947675" cy="799009"/>
+            </a:xfrm>
+            <a:prstGeom prst="rect">
+              <a:avLst/>
+            </a:prstGeom>
+            <a:noFill/>
             <a:extLst>
-              <a:ext uri="{FF2B5EF4-FFF2-40B4-BE49-F238E27FC236}">
-                <a16:creationId xmlns:a16="http://schemas.microsoft.com/office/drawing/2014/main" id="{1BDFCEE3-839B-4E51-BAE0-0902513797B8}"/>
+              <a:ext uri="{909E8E84-426E-40DD-AFC4-6F175D3DCCD1}">
+                <a14:hiddenFill xmlns:a14="http://schemas.microsoft.com/office/drawing/2010/main">
+                  <a:solidFill>
+                    <a:srgbClr val="FFFFFF"/>
+                  </a:solidFill>
+                </a14:hiddenFill>
               </a:ext>
             </a:extLst>
-          </p:cNvPr>
-          <p:cNvSpPr/>
-          <p:nvPr/>
-        </p:nvSpPr>
-        <p:spPr>
-          <a:xfrm>
-            <a:off x="6052994" y="2333846"/>
-            <a:ext cx="4587675" cy="3862127"/>
-          </a:xfrm>
-          <a:prstGeom prst="roundRect">
-            <a:avLst>
-              <a:gd name="adj" fmla="val 2475"/>
-            </a:avLst>
-          </a:prstGeom>
-          <a:noFill/>
-          <a:ln>
-            <a:solidFill>
-              <a:schemeClr val="bg1">
-                <a:lumMod val="75000"/>
+          </p:spPr>
+        </p:pic>
+        <p:cxnSp>
+          <p:nvCxnSpPr>
+            <p:cNvPr id="8" name="直線コネクタ 7">
+              <a:extLst>
+                <a:ext uri="{FF2B5EF4-FFF2-40B4-BE49-F238E27FC236}">
+                  <a16:creationId xmlns:a16="http://schemas.microsoft.com/office/drawing/2014/main" id="{621ED247-E8D3-4433-8B77-B59444637351}"/>
+                </a:ext>
+              </a:extLst>
+            </p:cNvPr>
+            <p:cNvCxnSpPr>
+              <a:cxnSpLocks/>
+            </p:cNvCxnSpPr>
+            <p:nvPr/>
+          </p:nvCxnSpPr>
+          <p:spPr>
+            <a:xfrm>
+              <a:off x="6052994" y="5108985"/>
+              <a:ext cx="4587675" cy="0"/>
+            </a:xfrm>
+            <a:prstGeom prst="line">
+              <a:avLst/>
+            </a:prstGeom>
+            <a:noFill/>
+            <a:ln>
+              <a:solidFill>
+                <a:schemeClr val="bg1">
+                  <a:lumMod val="75000"/>
+                </a:schemeClr>
+              </a:solidFill>
+            </a:ln>
+          </p:spPr>
+          <p:style>
+            <a:lnRef idx="2">
+              <a:schemeClr val="accent1">
+                <a:shade val="50000"/>
               </a:schemeClr>
-            </a:solidFill>
-          </a:ln>
-        </p:spPr>
-        <p:style>
-          <a:lnRef idx="2">
-            <a:schemeClr val="accent1">
-              <a:shade val="50000"/>
-            </a:schemeClr>
-          </a:lnRef>
-          <a:fillRef idx="1">
-            <a:schemeClr val="accent1"/>
-          </a:fillRef>
-          <a:effectRef idx="0">
-            <a:schemeClr val="accent1"/>
-          </a:effectRef>
-          <a:fontRef idx="minor">
-            <a:schemeClr val="lt1"/>
-          </a:fontRef>
-        </p:style>
-        <p:txBody>
-          <a:bodyPr rtlCol="0" anchor="ctr"/>
-          <a:lstStyle/>
-          <a:p>
-            <a:pPr algn="ctr"/>
-            <a:endParaRPr kumimoji="1" lang="ja-JP" altLang="en-US" dirty="0"/>
-          </a:p>
-        </p:txBody>
-      </p:sp>
-      <p:pic>
-        <p:nvPicPr>
-          <p:cNvPr id="6" name="図 5" descr="プレート, カップ, 挿絵 が含まれている画像&#10;&#10;自動的に生成された説明">
-            <a:extLst>
-              <a:ext uri="{FF2B5EF4-FFF2-40B4-BE49-F238E27FC236}">
-                <a16:creationId xmlns:a16="http://schemas.microsoft.com/office/drawing/2014/main" id="{F84ED88A-9AB4-4EF1-AFCE-5015387D74A5}"/>
-              </a:ext>
-            </a:extLst>
-          </p:cNvPr>
-          <p:cNvPicPr>
-            <a:picLocks noChangeAspect="1"/>
-          </p:cNvPicPr>
-          <p:nvPr/>
-        </p:nvPicPr>
-        <p:blipFill>
-          <a:blip r:embed="rId4">
-            <a:extLst>
-              <a:ext uri="{28A0092B-C50C-407E-A947-70E740481C1C}">
-                <a14:useLocalDpi xmlns:a14="http://schemas.microsoft.com/office/drawing/2010/main" val="0"/>
-              </a:ext>
-            </a:extLst>
-          </a:blip>
-          <a:stretch>
-            <a:fillRect/>
-          </a:stretch>
-        </p:blipFill>
-        <p:spPr>
-          <a:xfrm>
-            <a:off x="7613973" y="3537986"/>
-            <a:ext cx="1465713" cy="615180"/>
-          </a:xfrm>
-          <a:prstGeom prst="rect">
-            <a:avLst/>
-          </a:prstGeom>
-        </p:spPr>
-      </p:pic>
-      <p:pic>
-        <p:nvPicPr>
-          <p:cNvPr id="1030" name="Picture 6">
-            <a:extLst>
-              <a:ext uri="{FF2B5EF4-FFF2-40B4-BE49-F238E27FC236}">
-                <a16:creationId xmlns:a16="http://schemas.microsoft.com/office/drawing/2014/main" id="{E34C42D0-4D9A-4B47-B4DE-E0AFB91F6801}"/>
-              </a:ext>
-            </a:extLst>
-          </p:cNvPr>
-          <p:cNvPicPr>
-            <a:picLocks noChangeAspect="1" noChangeArrowheads="1"/>
-          </p:cNvPicPr>
-          <p:nvPr/>
-        </p:nvPicPr>
-        <p:blipFill rotWithShape="1">
-          <a:blip r:embed="rId5">
-            <a:extLst>
-              <a:ext uri="{28A0092B-C50C-407E-A947-70E740481C1C}">
-                <a14:useLocalDpi xmlns:a14="http://schemas.microsoft.com/office/drawing/2010/main" val="0"/>
-              </a:ext>
-            </a:extLst>
-          </a:blip>
-          <a:srcRect t="28573" r="5098" b="27100"/>
-          <a:stretch/>
-        </p:blipFill>
-        <p:spPr bwMode="auto">
-          <a:xfrm>
-            <a:off x="7270866" y="4312273"/>
-            <a:ext cx="2194558" cy="768773"/>
-          </a:xfrm>
-          <a:prstGeom prst="rect">
-            <a:avLst/>
-          </a:prstGeom>
-          <a:noFill/>
-          <a:extLst>
-            <a:ext uri="{909E8E84-426E-40DD-AFC4-6F175D3DCCD1}">
-              <a14:hiddenFill xmlns:a14="http://schemas.microsoft.com/office/drawing/2010/main">
-                <a:solidFill>
-                  <a:srgbClr val="FFFFFF"/>
-                </a:solidFill>
-              </a14:hiddenFill>
-            </a:ext>
-          </a:extLst>
-        </p:spPr>
-      </p:pic>
-      <p:pic>
-        <p:nvPicPr>
-          <p:cNvPr id="1034" name="Picture 10" descr="TensorFlow+Kerasに入門(4. Keras2のConvolution2DとConv2Dの違い？) - FPGA開発日記">
-            <a:extLst>
-              <a:ext uri="{FF2B5EF4-FFF2-40B4-BE49-F238E27FC236}">
-                <a16:creationId xmlns:a16="http://schemas.microsoft.com/office/drawing/2014/main" id="{4F044B28-8F5E-4BF5-B1D5-D9C0F03C6F26}"/>
-              </a:ext>
-            </a:extLst>
-          </p:cNvPr>
-          <p:cNvPicPr>
-            <a:picLocks noChangeAspect="1" noChangeArrowheads="1"/>
-          </p:cNvPicPr>
-          <p:nvPr/>
-        </p:nvPicPr>
-        <p:blipFill rotWithShape="1">
-          <a:blip r:embed="rId6">
-            <a:extLst>
-              <a:ext uri="{28A0092B-C50C-407E-A947-70E740481C1C}">
-                <a14:useLocalDpi xmlns:a14="http://schemas.microsoft.com/office/drawing/2010/main" val="0"/>
-              </a:ext>
-            </a:extLst>
-          </a:blip>
-          <a:srcRect l="6216"/>
-          <a:stretch/>
-        </p:blipFill>
-        <p:spPr bwMode="auto">
-          <a:xfrm>
-            <a:off x="7372991" y="2509522"/>
-            <a:ext cx="1947675" cy="799009"/>
-          </a:xfrm>
-          <a:prstGeom prst="rect">
-            <a:avLst/>
-          </a:prstGeom>
-          <a:noFill/>
-          <a:extLst>
-            <a:ext uri="{909E8E84-426E-40DD-AFC4-6F175D3DCCD1}">
-              <a14:hiddenFill xmlns:a14="http://schemas.microsoft.com/office/drawing/2010/main">
-                <a:solidFill>
-                  <a:srgbClr val="FFFFFF"/>
-                </a:solidFill>
-              </a14:hiddenFill>
-            </a:ext>
-          </a:extLst>
-        </p:spPr>
-      </p:pic>
-      <p:cxnSp>
-        <p:nvCxnSpPr>
-          <p:cNvPr id="8" name="直線コネクタ 7">
-            <a:extLst>
-              <a:ext uri="{FF2B5EF4-FFF2-40B4-BE49-F238E27FC236}">
-                <a16:creationId xmlns:a16="http://schemas.microsoft.com/office/drawing/2014/main" id="{621ED247-E8D3-4433-8B77-B59444637351}"/>
-              </a:ext>
-            </a:extLst>
-          </p:cNvPr>
-          <p:cNvCxnSpPr>
-            <a:cxnSpLocks/>
-          </p:cNvCxnSpPr>
-          <p:nvPr/>
-        </p:nvCxnSpPr>
-        <p:spPr>
-          <a:xfrm>
-            <a:off x="6052994" y="5108985"/>
-            <a:ext cx="4587675" cy="0"/>
-          </a:xfrm>
-          <a:prstGeom prst="line">
-            <a:avLst/>
-          </a:prstGeom>
-          <a:noFill/>
-          <a:ln>
-            <a:solidFill>
-              <a:schemeClr val="bg1">
-                <a:lumMod val="75000"/>
+            </a:lnRef>
+            <a:fillRef idx="1">
+              <a:schemeClr val="accent1"/>
+            </a:fillRef>
+            <a:effectRef idx="0">
+              <a:schemeClr val="accent1"/>
+            </a:effectRef>
+            <a:fontRef idx="minor">
+              <a:schemeClr val="lt1"/>
+            </a:fontRef>
+          </p:style>
+        </p:cxnSp>
+        <p:sp>
+          <p:nvSpPr>
+            <p:cNvPr id="9" name="テキスト ボックス 8">
+              <a:extLst>
+                <a:ext uri="{FF2B5EF4-FFF2-40B4-BE49-F238E27FC236}">
+                  <a16:creationId xmlns:a16="http://schemas.microsoft.com/office/drawing/2014/main" id="{265DB843-C930-4502-8AA9-C63A4A395EF2}"/>
+                </a:ext>
+              </a:extLst>
+            </p:cNvPr>
+            <p:cNvSpPr txBox="1"/>
+            <p:nvPr/>
+          </p:nvSpPr>
+          <p:spPr>
+            <a:xfrm>
+              <a:off x="10776998" y="5460282"/>
+              <a:ext cx="970554" cy="369332"/>
+            </a:xfrm>
+            <a:prstGeom prst="rect">
+              <a:avLst/>
+            </a:prstGeom>
+            <a:noFill/>
+          </p:spPr>
+          <p:txBody>
+            <a:bodyPr wrap="square" rtlCol="0">
+              <a:spAutoFit/>
+            </a:bodyPr>
+            <a:lstStyle/>
+            <a:p>
+              <a:pPr algn="ctr"/>
+              <a:r>
+                <a:rPr kumimoji="1" lang="en-US" altLang="ja-JP" dirty="0"/>
+                <a:t>PaaS</a:t>
+              </a:r>
+              <a:endParaRPr kumimoji="1" lang="ja-JP" altLang="en-US" dirty="0"/>
+            </a:p>
+          </p:txBody>
+        </p:sp>
+        <p:cxnSp>
+          <p:nvCxnSpPr>
+            <p:cNvPr id="15" name="直線コネクタ 14">
+              <a:extLst>
+                <a:ext uri="{FF2B5EF4-FFF2-40B4-BE49-F238E27FC236}">
+                  <a16:creationId xmlns:a16="http://schemas.microsoft.com/office/drawing/2014/main" id="{241967C3-C6B4-4D9B-B287-2959551A0CEC}"/>
+                </a:ext>
+              </a:extLst>
+            </p:cNvPr>
+            <p:cNvCxnSpPr>
+              <a:cxnSpLocks/>
+            </p:cNvCxnSpPr>
+            <p:nvPr/>
+          </p:nvCxnSpPr>
+          <p:spPr>
+            <a:xfrm>
+              <a:off x="6052994" y="4264467"/>
+              <a:ext cx="4587675" cy="0"/>
+            </a:xfrm>
+            <a:prstGeom prst="line">
+              <a:avLst/>
+            </a:prstGeom>
+            <a:noFill/>
+            <a:ln>
+              <a:solidFill>
+                <a:schemeClr val="bg1">
+                  <a:lumMod val="75000"/>
+                </a:schemeClr>
+              </a:solidFill>
+            </a:ln>
+          </p:spPr>
+          <p:style>
+            <a:lnRef idx="2">
+              <a:schemeClr val="accent1">
+                <a:shade val="50000"/>
               </a:schemeClr>
-            </a:solidFill>
-          </a:ln>
-        </p:spPr>
-        <p:style>
-          <a:lnRef idx="2">
-            <a:schemeClr val="accent1">
-              <a:shade val="50000"/>
-            </a:schemeClr>
-          </a:lnRef>
-          <a:fillRef idx="1">
-            <a:schemeClr val="accent1"/>
-          </a:fillRef>
-          <a:effectRef idx="0">
-            <a:schemeClr val="accent1"/>
-          </a:effectRef>
-          <a:fontRef idx="minor">
-            <a:schemeClr val="lt1"/>
-          </a:fontRef>
-        </p:style>
-      </p:cxnSp>
-      <p:sp>
-        <p:nvSpPr>
-          <p:cNvPr id="9" name="テキスト ボックス 8">
-            <a:extLst>
-              <a:ext uri="{FF2B5EF4-FFF2-40B4-BE49-F238E27FC236}">
-                <a16:creationId xmlns:a16="http://schemas.microsoft.com/office/drawing/2014/main" id="{265DB843-C930-4502-8AA9-C63A4A395EF2}"/>
-              </a:ext>
-            </a:extLst>
-          </p:cNvPr>
-          <p:cNvSpPr txBox="1"/>
-          <p:nvPr/>
-        </p:nvSpPr>
-        <p:spPr>
-          <a:xfrm>
-            <a:off x="10776998" y="5460282"/>
-            <a:ext cx="970554" cy="369332"/>
-          </a:xfrm>
-          <a:prstGeom prst="rect">
-            <a:avLst/>
-          </a:prstGeom>
-          <a:noFill/>
-        </p:spPr>
-        <p:txBody>
-          <a:bodyPr wrap="square" rtlCol="0">
-            <a:spAutoFit/>
-          </a:bodyPr>
-          <a:lstStyle/>
-          <a:p>
-            <a:pPr algn="ctr"/>
-            <a:r>
-              <a:rPr kumimoji="1" lang="en-US" altLang="ja-JP" dirty="0"/>
-              <a:t>PaaS</a:t>
-            </a:r>
-            <a:endParaRPr kumimoji="1" lang="ja-JP" altLang="en-US" dirty="0"/>
-          </a:p>
-        </p:txBody>
-      </p:sp>
-      <p:cxnSp>
-        <p:nvCxnSpPr>
-          <p:cNvPr id="15" name="直線コネクタ 14">
-            <a:extLst>
-              <a:ext uri="{FF2B5EF4-FFF2-40B4-BE49-F238E27FC236}">
-                <a16:creationId xmlns:a16="http://schemas.microsoft.com/office/drawing/2014/main" id="{241967C3-C6B4-4D9B-B287-2959551A0CEC}"/>
-              </a:ext>
-            </a:extLst>
-          </p:cNvPr>
-          <p:cNvCxnSpPr>
-            <a:cxnSpLocks/>
-          </p:cNvCxnSpPr>
-          <p:nvPr/>
-        </p:nvCxnSpPr>
-        <p:spPr>
-          <a:xfrm>
-            <a:off x="6052994" y="4264467"/>
-            <a:ext cx="4587675" cy="0"/>
-          </a:xfrm>
-          <a:prstGeom prst="line">
-            <a:avLst/>
-          </a:prstGeom>
-          <a:noFill/>
-          <a:ln>
-            <a:solidFill>
-              <a:schemeClr val="bg1">
-                <a:lumMod val="75000"/>
+            </a:lnRef>
+            <a:fillRef idx="1">
+              <a:schemeClr val="accent1"/>
+            </a:fillRef>
+            <a:effectRef idx="0">
+              <a:schemeClr val="accent1"/>
+            </a:effectRef>
+            <a:fontRef idx="minor">
+              <a:schemeClr val="lt1"/>
+            </a:fontRef>
+          </p:style>
+        </p:cxnSp>
+        <p:cxnSp>
+          <p:nvCxnSpPr>
+            <p:cNvPr id="16" name="直線コネクタ 15">
+              <a:extLst>
+                <a:ext uri="{FF2B5EF4-FFF2-40B4-BE49-F238E27FC236}">
+                  <a16:creationId xmlns:a16="http://schemas.microsoft.com/office/drawing/2014/main" id="{D7C07B4A-D831-488D-A666-A0EEB65B5188}"/>
+                </a:ext>
+              </a:extLst>
+            </p:cNvPr>
+            <p:cNvCxnSpPr>
+              <a:cxnSpLocks/>
+            </p:cNvCxnSpPr>
+            <p:nvPr/>
+          </p:nvCxnSpPr>
+          <p:spPr>
+            <a:xfrm>
+              <a:off x="6052994" y="3429000"/>
+              <a:ext cx="4587675" cy="0"/>
+            </a:xfrm>
+            <a:prstGeom prst="line">
+              <a:avLst/>
+            </a:prstGeom>
+            <a:noFill/>
+            <a:ln>
+              <a:solidFill>
+                <a:schemeClr val="bg1">
+                  <a:lumMod val="75000"/>
+                </a:schemeClr>
+              </a:solidFill>
+            </a:ln>
+          </p:spPr>
+          <p:style>
+            <a:lnRef idx="2">
+              <a:schemeClr val="accent1">
+                <a:shade val="50000"/>
               </a:schemeClr>
-            </a:solidFill>
-          </a:ln>
-        </p:spPr>
-        <p:style>
-          <a:lnRef idx="2">
-            <a:schemeClr val="accent1">
-              <a:shade val="50000"/>
-            </a:schemeClr>
-          </a:lnRef>
-          <a:fillRef idx="1">
-            <a:schemeClr val="accent1"/>
-          </a:fillRef>
-          <a:effectRef idx="0">
-            <a:schemeClr val="accent1"/>
-          </a:effectRef>
-          <a:fontRef idx="minor">
-            <a:schemeClr val="lt1"/>
-          </a:fontRef>
-        </p:style>
-      </p:cxnSp>
-      <p:cxnSp>
-        <p:nvCxnSpPr>
-          <p:cNvPr id="16" name="直線コネクタ 15">
-            <a:extLst>
-              <a:ext uri="{FF2B5EF4-FFF2-40B4-BE49-F238E27FC236}">
-                <a16:creationId xmlns:a16="http://schemas.microsoft.com/office/drawing/2014/main" id="{D7C07B4A-D831-488D-A666-A0EEB65B5188}"/>
-              </a:ext>
-            </a:extLst>
-          </p:cNvPr>
-          <p:cNvCxnSpPr>
-            <a:cxnSpLocks/>
-          </p:cNvCxnSpPr>
-          <p:nvPr/>
-        </p:nvCxnSpPr>
-        <p:spPr>
-          <a:xfrm>
-            <a:off x="6052994" y="3429000"/>
-            <a:ext cx="4587675" cy="0"/>
-          </a:xfrm>
-          <a:prstGeom prst="line">
-            <a:avLst/>
-          </a:prstGeom>
-          <a:noFill/>
-          <a:ln>
-            <a:solidFill>
-              <a:schemeClr val="bg1">
-                <a:lumMod val="75000"/>
-              </a:schemeClr>
-            </a:solidFill>
-          </a:ln>
-        </p:spPr>
-        <p:style>
-          <a:lnRef idx="2">
-            <a:schemeClr val="accent1">
-              <a:shade val="50000"/>
-            </a:schemeClr>
-          </a:lnRef>
-          <a:fillRef idx="1">
-            <a:schemeClr val="accent1"/>
-          </a:fillRef>
-          <a:effectRef idx="0">
-            <a:schemeClr val="accent1"/>
-          </a:effectRef>
-          <a:fontRef idx="minor">
-            <a:schemeClr val="lt1"/>
-          </a:fontRef>
-        </p:style>
-      </p:cxnSp>
-      <p:sp>
-        <p:nvSpPr>
-          <p:cNvPr id="18" name="テキスト ボックス 17">
-            <a:extLst>
-              <a:ext uri="{FF2B5EF4-FFF2-40B4-BE49-F238E27FC236}">
-                <a16:creationId xmlns:a16="http://schemas.microsoft.com/office/drawing/2014/main" id="{8A0E557B-5368-4EE3-8AA0-4B1C954B3285}"/>
-              </a:ext>
-            </a:extLst>
-          </p:cNvPr>
-          <p:cNvSpPr txBox="1"/>
-          <p:nvPr/>
-        </p:nvSpPr>
-        <p:spPr>
-          <a:xfrm>
-            <a:off x="10700472" y="4513482"/>
-            <a:ext cx="1123607" cy="369332"/>
-          </a:xfrm>
-          <a:prstGeom prst="rect">
-            <a:avLst/>
-          </a:prstGeom>
-          <a:noFill/>
-        </p:spPr>
-        <p:txBody>
-          <a:bodyPr wrap="square" rtlCol="0">
-            <a:spAutoFit/>
-          </a:bodyPr>
-          <a:lstStyle/>
-          <a:p>
-            <a:pPr algn="ctr"/>
-            <a:r>
-              <a:rPr kumimoji="1" lang="en-US" altLang="ja-JP" dirty="0"/>
-              <a:t>Language</a:t>
-            </a:r>
-            <a:endParaRPr kumimoji="1" lang="ja-JP" altLang="en-US" dirty="0"/>
-          </a:p>
-        </p:txBody>
-      </p:sp>
-      <p:sp>
-        <p:nvSpPr>
-          <p:cNvPr id="19" name="テキスト ボックス 18">
-            <a:extLst>
-              <a:ext uri="{FF2B5EF4-FFF2-40B4-BE49-F238E27FC236}">
-                <a16:creationId xmlns:a16="http://schemas.microsoft.com/office/drawing/2014/main" id="{FA4555E0-A91E-44A5-A6D4-839ECBE6EC1F}"/>
-              </a:ext>
-            </a:extLst>
-          </p:cNvPr>
-          <p:cNvSpPr txBox="1"/>
-          <p:nvPr/>
-        </p:nvSpPr>
-        <p:spPr>
-          <a:xfrm>
-            <a:off x="10628602" y="3528094"/>
-            <a:ext cx="1267347" cy="646331"/>
-          </a:xfrm>
-          <a:prstGeom prst="rect">
-            <a:avLst/>
-          </a:prstGeom>
-          <a:noFill/>
-        </p:spPr>
-        <p:txBody>
-          <a:bodyPr wrap="square" rtlCol="0">
-            <a:spAutoFit/>
-          </a:bodyPr>
-          <a:lstStyle/>
-          <a:p>
-            <a:pPr algn="ctr"/>
-            <a:r>
-              <a:rPr kumimoji="1" lang="en-US" altLang="ja-JP" dirty="0"/>
-              <a:t>Web Framework</a:t>
-            </a:r>
-            <a:endParaRPr kumimoji="1" lang="ja-JP" altLang="en-US" dirty="0"/>
-          </a:p>
-        </p:txBody>
-      </p:sp>
-      <p:sp>
-        <p:nvSpPr>
-          <p:cNvPr id="20" name="テキスト ボックス 19">
-            <a:extLst>
-              <a:ext uri="{FF2B5EF4-FFF2-40B4-BE49-F238E27FC236}">
-                <a16:creationId xmlns:a16="http://schemas.microsoft.com/office/drawing/2014/main" id="{6CC3F22D-B63C-490F-A03F-95A93E393556}"/>
-              </a:ext>
-            </a:extLst>
-          </p:cNvPr>
-          <p:cNvSpPr txBox="1"/>
-          <p:nvPr/>
-        </p:nvSpPr>
-        <p:spPr>
-          <a:xfrm>
-            <a:off x="10628602" y="2734637"/>
-            <a:ext cx="1267347" cy="369332"/>
-          </a:xfrm>
-          <a:prstGeom prst="rect">
-            <a:avLst/>
-          </a:prstGeom>
-          <a:noFill/>
-        </p:spPr>
-        <p:txBody>
-          <a:bodyPr wrap="square" rtlCol="0">
-            <a:spAutoFit/>
-          </a:bodyPr>
-          <a:lstStyle/>
-          <a:p>
-            <a:pPr algn="ctr"/>
-            <a:r>
-              <a:rPr kumimoji="1" lang="en-US" altLang="ja-JP" dirty="0"/>
-              <a:t>Library</a:t>
-            </a:r>
-            <a:endParaRPr kumimoji="1" lang="ja-JP" altLang="en-US" dirty="0"/>
-          </a:p>
-        </p:txBody>
-      </p:sp>
+            </a:lnRef>
+            <a:fillRef idx="1">
+              <a:schemeClr val="accent1"/>
+            </a:fillRef>
+            <a:effectRef idx="0">
+              <a:schemeClr val="accent1"/>
+            </a:effectRef>
+            <a:fontRef idx="minor">
+              <a:schemeClr val="lt1"/>
+            </a:fontRef>
+          </p:style>
+        </p:cxnSp>
+        <p:sp>
+          <p:nvSpPr>
+            <p:cNvPr id="18" name="テキスト ボックス 17">
+              <a:extLst>
+                <a:ext uri="{FF2B5EF4-FFF2-40B4-BE49-F238E27FC236}">
+                  <a16:creationId xmlns:a16="http://schemas.microsoft.com/office/drawing/2014/main" id="{8A0E557B-5368-4EE3-8AA0-4B1C954B3285}"/>
+                </a:ext>
+              </a:extLst>
+            </p:cNvPr>
+            <p:cNvSpPr txBox="1"/>
+            <p:nvPr/>
+          </p:nvSpPr>
+          <p:spPr>
+            <a:xfrm>
+              <a:off x="10700472" y="4513482"/>
+              <a:ext cx="1123607" cy="369332"/>
+            </a:xfrm>
+            <a:prstGeom prst="rect">
+              <a:avLst/>
+            </a:prstGeom>
+            <a:noFill/>
+          </p:spPr>
+          <p:txBody>
+            <a:bodyPr wrap="square" rtlCol="0">
+              <a:spAutoFit/>
+            </a:bodyPr>
+            <a:lstStyle/>
+            <a:p>
+              <a:pPr algn="ctr"/>
+              <a:r>
+                <a:rPr kumimoji="1" lang="en-US" altLang="ja-JP" dirty="0"/>
+                <a:t>Language</a:t>
+              </a:r>
+              <a:endParaRPr kumimoji="1" lang="ja-JP" altLang="en-US" dirty="0"/>
+            </a:p>
+          </p:txBody>
+        </p:sp>
+        <p:sp>
+          <p:nvSpPr>
+            <p:cNvPr id="19" name="テキスト ボックス 18">
+              <a:extLst>
+                <a:ext uri="{FF2B5EF4-FFF2-40B4-BE49-F238E27FC236}">
+                  <a16:creationId xmlns:a16="http://schemas.microsoft.com/office/drawing/2014/main" id="{FA4555E0-A91E-44A5-A6D4-839ECBE6EC1F}"/>
+                </a:ext>
+              </a:extLst>
+            </p:cNvPr>
+            <p:cNvSpPr txBox="1"/>
+            <p:nvPr/>
+          </p:nvSpPr>
+          <p:spPr>
+            <a:xfrm>
+              <a:off x="10628602" y="3528094"/>
+              <a:ext cx="1267347" cy="646331"/>
+            </a:xfrm>
+            <a:prstGeom prst="rect">
+              <a:avLst/>
+            </a:prstGeom>
+            <a:noFill/>
+          </p:spPr>
+          <p:txBody>
+            <a:bodyPr wrap="square" rtlCol="0">
+              <a:spAutoFit/>
+            </a:bodyPr>
+            <a:lstStyle/>
+            <a:p>
+              <a:pPr algn="ctr"/>
+              <a:r>
+                <a:rPr kumimoji="1" lang="en-US" altLang="ja-JP" dirty="0"/>
+                <a:t>Web Framework</a:t>
+              </a:r>
+              <a:endParaRPr kumimoji="1" lang="ja-JP" altLang="en-US" dirty="0"/>
+            </a:p>
+          </p:txBody>
+        </p:sp>
+        <p:sp>
+          <p:nvSpPr>
+            <p:cNvPr id="20" name="テキスト ボックス 19">
+              <a:extLst>
+                <a:ext uri="{FF2B5EF4-FFF2-40B4-BE49-F238E27FC236}">
+                  <a16:creationId xmlns:a16="http://schemas.microsoft.com/office/drawing/2014/main" id="{6CC3F22D-B63C-490F-A03F-95A93E393556}"/>
+                </a:ext>
+              </a:extLst>
+            </p:cNvPr>
+            <p:cNvSpPr txBox="1"/>
+            <p:nvPr/>
+          </p:nvSpPr>
+          <p:spPr>
+            <a:xfrm>
+              <a:off x="10628602" y="2734637"/>
+              <a:ext cx="1267347" cy="369332"/>
+            </a:xfrm>
+            <a:prstGeom prst="rect">
+              <a:avLst/>
+            </a:prstGeom>
+            <a:noFill/>
+          </p:spPr>
+          <p:txBody>
+            <a:bodyPr wrap="square" rtlCol="0">
+              <a:spAutoFit/>
+            </a:bodyPr>
+            <a:lstStyle/>
+            <a:p>
+              <a:pPr algn="ctr"/>
+              <a:r>
+                <a:rPr kumimoji="1" lang="en-US" altLang="ja-JP" dirty="0"/>
+                <a:t>Library</a:t>
+              </a:r>
+              <a:endParaRPr kumimoji="1" lang="ja-JP" altLang="en-US" dirty="0"/>
+            </a:p>
+          </p:txBody>
+        </p:sp>
+      </p:grpSp>
     </p:spTree>
     <p:extLst>
       <p:ext uri="{BB962C8B-B14F-4D97-AF65-F5344CB8AC3E}">
@@ -38698,7 +38719,7 @@
               <a:rPr lang="ja-JP" altLang="en-US" sz="1200" dirty="0">
                 <a:latin typeface="+mn-ea"/>
               </a:rPr>
-              <a:t>処理が重かったため、</a:t>
+              <a:t>③では処理が重過ぎたため、</a:t>
             </a:r>
             <a:r>
               <a:rPr lang="en-US" altLang="ja-JP" sz="1200" dirty="0">
@@ -38710,7 +38731,7 @@
               <a:rPr lang="ja-JP" altLang="en-US" sz="1200" dirty="0">
                 <a:latin typeface="+mn-ea"/>
               </a:rPr>
-              <a:t>を半分にしたがそれが悪影響した可能性がある。</a:t>
+              <a:t>を半分にしたが、それが悪影響した可能性がある。</a:t>
             </a:r>
             <a:endParaRPr lang="en-US" altLang="ja-JP" sz="1200" dirty="0">
               <a:latin typeface="+mn-ea"/>

--- a/プロダクト課題（岡崎優尋）.pptx
+++ b/プロダクト課題（岡崎優尋）.pptx
@@ -5,7 +5,7 @@
     <p:sldMasterId id="2147483714" r:id="rId1"/>
   </p:sldMasterIdLst>
   <p:notesMasterIdLst>
-    <p:notesMasterId r:id="rId15"/>
+    <p:notesMasterId r:id="rId16"/>
   </p:notesMasterIdLst>
   <p:sldIdLst>
     <p:sldId id="256" r:id="rId2"/>
@@ -19,8 +19,9 @@
     <p:sldId id="276" r:id="rId10"/>
     <p:sldId id="261" r:id="rId11"/>
     <p:sldId id="262" r:id="rId12"/>
-    <p:sldId id="270" r:id="rId13"/>
-    <p:sldId id="271" r:id="rId14"/>
+    <p:sldId id="278" r:id="rId13"/>
+    <p:sldId id="270" r:id="rId14"/>
+    <p:sldId id="271" r:id="rId15"/>
   </p:sldIdLst>
   <p:sldSz cx="12192000" cy="6858000"/>
   <p:notesSz cx="6858000" cy="9144000"/>
@@ -4837,7 +4838,7 @@
           <a:p>
             <a:fld id="{8AA4F90F-8362-45A1-9D98-EEB0BC188548}" type="datetimeFigureOut">
               <a:rPr kumimoji="1" lang="ja-JP" altLang="en-US" smtClean="0"/>
-              <a:t>2020/12/9</a:t>
+              <a:t>2020/12/10</a:t>
             </a:fld>
             <a:endParaRPr kumimoji="1" lang="ja-JP" altLang="en-US"/>
           </a:p>
@@ -14290,7 +14291,7 @@
           <a:p>
             <a:fld id="{DE19B60B-9148-48B6-8A3B-D1BAA3D64E0F}" type="datetimeFigureOut">
               <a:rPr kumimoji="1" lang="ja-JP" altLang="en-US" smtClean="0"/>
-              <a:t>2020/12/9</a:t>
+              <a:t>2020/12/10</a:t>
             </a:fld>
             <a:endParaRPr kumimoji="1" lang="ja-JP" altLang="en-US"/>
           </a:p>
@@ -14529,7 +14530,7 @@
           <a:p>
             <a:fld id="{DE19B60B-9148-48B6-8A3B-D1BAA3D64E0F}" type="datetimeFigureOut">
               <a:rPr kumimoji="1" lang="ja-JP" altLang="en-US" smtClean="0"/>
-              <a:t>2020/12/9</a:t>
+              <a:t>2020/12/10</a:t>
             </a:fld>
             <a:endParaRPr kumimoji="1" lang="ja-JP" altLang="en-US"/>
           </a:p>
@@ -14741,7 +14742,7 @@
           <a:p>
             <a:fld id="{DE19B60B-9148-48B6-8A3B-D1BAA3D64E0F}" type="datetimeFigureOut">
               <a:rPr kumimoji="1" lang="ja-JP" altLang="en-US" smtClean="0"/>
-              <a:t>2020/12/9</a:t>
+              <a:t>2020/12/10</a:t>
             </a:fld>
             <a:endParaRPr kumimoji="1" lang="ja-JP" altLang="en-US"/>
           </a:p>
@@ -14982,7 +14983,7 @@
           <a:p>
             <a:fld id="{DE19B60B-9148-48B6-8A3B-D1BAA3D64E0F}" type="datetimeFigureOut">
               <a:rPr kumimoji="1" lang="ja-JP" altLang="en-US" smtClean="0"/>
-              <a:t>2020/12/9</a:t>
+              <a:t>2020/12/10</a:t>
             </a:fld>
             <a:endParaRPr kumimoji="1" lang="ja-JP" altLang="en-US"/>
           </a:p>
@@ -23880,7 +23881,7 @@
           <a:p>
             <a:fld id="{DE19B60B-9148-48B6-8A3B-D1BAA3D64E0F}" type="datetimeFigureOut">
               <a:rPr kumimoji="1" lang="ja-JP" altLang="en-US" smtClean="0"/>
-              <a:t>2020/12/9</a:t>
+              <a:t>2020/12/10</a:t>
             </a:fld>
             <a:endParaRPr kumimoji="1" lang="ja-JP" altLang="en-US"/>
           </a:p>
@@ -24222,7 +24223,7 @@
           <a:p>
             <a:fld id="{DE19B60B-9148-48B6-8A3B-D1BAA3D64E0F}" type="datetimeFigureOut">
               <a:rPr kumimoji="1" lang="ja-JP" altLang="en-US" smtClean="0"/>
-              <a:t>2020/12/9</a:t>
+              <a:t>2020/12/10</a:t>
             </a:fld>
             <a:endParaRPr kumimoji="1" lang="ja-JP" altLang="en-US"/>
           </a:p>
@@ -24688,7 +24689,7 @@
           <a:p>
             <a:fld id="{DE19B60B-9148-48B6-8A3B-D1BAA3D64E0F}" type="datetimeFigureOut">
               <a:rPr kumimoji="1" lang="ja-JP" altLang="en-US" smtClean="0"/>
-              <a:t>2020/12/9</a:t>
+              <a:t>2020/12/10</a:t>
             </a:fld>
             <a:endParaRPr kumimoji="1" lang="ja-JP" altLang="en-US"/>
           </a:p>
@@ -24810,7 +24811,7 @@
           <a:p>
             <a:fld id="{DE19B60B-9148-48B6-8A3B-D1BAA3D64E0F}" type="datetimeFigureOut">
               <a:rPr kumimoji="1" lang="ja-JP" altLang="en-US" smtClean="0"/>
-              <a:t>2020/12/9</a:t>
+              <a:t>2020/12/10</a:t>
             </a:fld>
             <a:endParaRPr kumimoji="1" lang="ja-JP" altLang="en-US"/>
           </a:p>
@@ -24905,7 +24906,7 @@
           <a:p>
             <a:fld id="{DE19B60B-9148-48B6-8A3B-D1BAA3D64E0F}" type="datetimeFigureOut">
               <a:rPr kumimoji="1" lang="ja-JP" altLang="en-US" smtClean="0"/>
-              <a:t>2020/12/9</a:t>
+              <a:t>2020/12/10</a:t>
             </a:fld>
             <a:endParaRPr kumimoji="1" lang="ja-JP" altLang="en-US"/>
           </a:p>
@@ -25227,7 +25228,7 @@
           <a:p>
             <a:fld id="{DE19B60B-9148-48B6-8A3B-D1BAA3D64E0F}" type="datetimeFigureOut">
               <a:rPr kumimoji="1" lang="ja-JP" altLang="en-US" smtClean="0"/>
-              <a:t>2020/12/9</a:t>
+              <a:t>2020/12/10</a:t>
             </a:fld>
             <a:endParaRPr kumimoji="1" lang="ja-JP" altLang="en-US"/>
           </a:p>
@@ -25507,7 +25508,7 @@
           <a:p>
             <a:fld id="{DE19B60B-9148-48B6-8A3B-D1BAA3D64E0F}" type="datetimeFigureOut">
               <a:rPr kumimoji="1" lang="ja-JP" altLang="en-US" smtClean="0"/>
-              <a:t>2020/12/9</a:t>
+              <a:t>2020/12/10</a:t>
             </a:fld>
             <a:endParaRPr kumimoji="1" lang="ja-JP" altLang="en-US"/>
           </a:p>
@@ -25789,7 +25790,7 @@
           <a:p>
             <a:fld id="{DE19B60B-9148-48B6-8A3B-D1BAA3D64E0F}" type="datetimeFigureOut">
               <a:rPr kumimoji="1" lang="ja-JP" altLang="en-US" smtClean="0"/>
-              <a:t>2020/12/9</a:t>
+              <a:t>2020/12/10</a:t>
             </a:fld>
             <a:endParaRPr kumimoji="1" lang="ja-JP" altLang="en-US"/>
           </a:p>
@@ -26692,6 +26693,355 @@
 </file>
 
 <file path=ppt/slides/slide12.xml><?xml version="1.0" encoding="utf-8"?>
+<p:sld xmlns:a="http://schemas.openxmlformats.org/drawingml/2006/main" xmlns:r="http://schemas.openxmlformats.org/officeDocument/2006/relationships" xmlns:p="http://schemas.openxmlformats.org/presentationml/2006/main">
+  <p:cSld>
+    <p:spTree>
+      <p:nvGrpSpPr>
+        <p:cNvPr id="1" name=""/>
+        <p:cNvGrpSpPr/>
+        <p:nvPr/>
+      </p:nvGrpSpPr>
+      <p:grpSpPr>
+        <a:xfrm>
+          <a:off x="0" y="0"/>
+          <a:ext cx="0" cy="0"/>
+          <a:chOff x="0" y="0"/>
+          <a:chExt cx="0" cy="0"/>
+        </a:xfrm>
+      </p:grpSpPr>
+      <p:sp>
+        <p:nvSpPr>
+          <p:cNvPr id="2" name="タイトル 1">
+            <a:extLst>
+              <a:ext uri="{FF2B5EF4-FFF2-40B4-BE49-F238E27FC236}">
+                <a16:creationId xmlns:a16="http://schemas.microsoft.com/office/drawing/2014/main" id="{6940C7EF-0599-4920-98DE-2C4D5F0133C7}"/>
+              </a:ext>
+            </a:extLst>
+          </p:cNvPr>
+          <p:cNvSpPr>
+            <a:spLocks noGrp="1"/>
+          </p:cNvSpPr>
+          <p:nvPr>
+            <p:ph type="title"/>
+          </p:nvPr>
+        </p:nvSpPr>
+        <p:spPr/>
+        <p:txBody>
+          <a:bodyPr/>
+          <a:lstStyle/>
+          <a:p>
+            <a:r>
+              <a:rPr kumimoji="1" lang="ja-JP" altLang="en-US" dirty="0"/>
+              <a:t>（参考）参考にした</a:t>
+            </a:r>
+            <a:r>
+              <a:rPr kumimoji="1" lang="en-US" altLang="ja-JP" dirty="0"/>
+              <a:t>Web</a:t>
+            </a:r>
+            <a:r>
+              <a:rPr kumimoji="1" lang="ja-JP" altLang="en-US" dirty="0"/>
+              <a:t>ページ</a:t>
+            </a:r>
+          </a:p>
+        </p:txBody>
+      </p:sp>
+      <p:sp>
+        <p:nvSpPr>
+          <p:cNvPr id="3" name="コンテンツ プレースホルダー 2">
+            <a:extLst>
+              <a:ext uri="{FF2B5EF4-FFF2-40B4-BE49-F238E27FC236}">
+                <a16:creationId xmlns:a16="http://schemas.microsoft.com/office/drawing/2014/main" id="{0D0AFAC5-BB9C-4B82-B8A2-4EFF62C5A9FD}"/>
+              </a:ext>
+            </a:extLst>
+          </p:cNvPr>
+          <p:cNvSpPr>
+            <a:spLocks noGrp="1"/>
+          </p:cNvSpPr>
+          <p:nvPr>
+            <p:ph idx="1"/>
+          </p:nvPr>
+        </p:nvSpPr>
+        <p:spPr/>
+        <p:txBody>
+          <a:bodyPr vert="horz" lIns="45720" tIns="45720" rIns="45720" bIns="45720" rtlCol="0">
+            <a:normAutofit fontScale="70000" lnSpcReduction="20000"/>
+          </a:bodyPr>
+          <a:lstStyle/>
+          <a:p>
+            <a:pPr marL="179388" indent="-179388">
+              <a:lnSpc>
+                <a:spcPct val="120000"/>
+              </a:lnSpc>
+              <a:buFont typeface="Wingdings" panose="05000000000000000000" pitchFamily="2" charset="2"/>
+              <a:buChar char="Ø"/>
+            </a:pPr>
+            <a:r>
+              <a:rPr lang="en-US" altLang="ja-JP" dirty="0" err="1"/>
+              <a:t>Keras</a:t>
+            </a:r>
+            <a:r>
+              <a:rPr lang="en-US" altLang="ja-JP" dirty="0"/>
+              <a:t> LSTM</a:t>
+            </a:r>
+            <a:r>
+              <a:rPr lang="ja-JP" altLang="en-US" dirty="0"/>
+              <a:t>でサクッと文章生成をしてみる </a:t>
+            </a:r>
+            <a:r>
+              <a:rPr lang="en-US" altLang="ja-JP" dirty="0"/>
+              <a:t>| cedro-blog </a:t>
+            </a:r>
+            <a:r>
+              <a:rPr lang="en-US" altLang="ja-JP" dirty="0">
+                <a:hlinkClick r:id="rId2"/>
+              </a:rPr>
+              <a:t>http://cedro3.com/ai/keras-lstm-text/</a:t>
+            </a:r>
+            <a:endParaRPr lang="en-US" altLang="ja-JP" dirty="0"/>
+          </a:p>
+          <a:p>
+            <a:pPr marL="179388" indent="-179388">
+              <a:lnSpc>
+                <a:spcPct val="120000"/>
+              </a:lnSpc>
+              <a:buFont typeface="Wingdings" panose="05000000000000000000" pitchFamily="2" charset="2"/>
+              <a:buChar char="Ø"/>
+            </a:pPr>
+            <a:r>
+              <a:rPr lang="en-US" altLang="ja-JP" dirty="0"/>
+              <a:t>NLP(</a:t>
+            </a:r>
+            <a:r>
+              <a:rPr lang="ja-JP" altLang="en-US" dirty="0"/>
+              <a:t>自然言語処理</a:t>
+            </a:r>
+            <a:r>
+              <a:rPr lang="en-US" altLang="ja-JP" dirty="0"/>
+              <a:t>):</a:t>
+            </a:r>
+            <a:r>
+              <a:rPr lang="ja-JP" altLang="en-US" dirty="0"/>
+              <a:t>メモリに乗らない大きなデータを分割して訓練する </a:t>
+            </a:r>
+            <a:r>
+              <a:rPr lang="en-US" altLang="ja-JP" dirty="0"/>
+              <a:t>| mm</a:t>
+            </a:r>
+            <a:r>
+              <a:rPr lang="ja-JP" altLang="en-US" dirty="0"/>
+              <a:t>参考書 </a:t>
+            </a:r>
+            <a:r>
+              <a:rPr lang="en-US" altLang="ja-JP" dirty="0">
+                <a:hlinkClick r:id="rId3"/>
+              </a:rPr>
+              <a:t>https://mmsankosho.com/nlp-8/</a:t>
+            </a:r>
+            <a:endParaRPr lang="en-US" altLang="ja-JP" dirty="0"/>
+          </a:p>
+          <a:p>
+            <a:pPr marL="179388" indent="-179388">
+              <a:lnSpc>
+                <a:spcPct val="120000"/>
+              </a:lnSpc>
+              <a:buFont typeface="Wingdings" panose="05000000000000000000" pitchFamily="2" charset="2"/>
+              <a:buChar char="Ø"/>
+            </a:pPr>
+            <a:r>
+              <a:rPr lang="en-US" altLang="ja-JP" dirty="0"/>
+              <a:t>Text generator based on LSTM model with pre-trained Word2Vec embeddings in </a:t>
+            </a:r>
+            <a:r>
+              <a:rPr lang="en-US" altLang="ja-JP" dirty="0" err="1"/>
+              <a:t>Keras</a:t>
+            </a:r>
+            <a:r>
+              <a:rPr lang="en-US" altLang="ja-JP" dirty="0"/>
+              <a:t> </a:t>
+            </a:r>
+            <a:r>
+              <a:rPr lang="en-US" altLang="ja-JP" dirty="0">
+                <a:hlinkClick r:id="rId4"/>
+              </a:rPr>
+              <a:t>https://gist.github.com/maxim5/c35ef2238ae708ccb0e55624e9e0252b</a:t>
+            </a:r>
+            <a:endParaRPr lang="en-US" altLang="ja-JP" dirty="0"/>
+          </a:p>
+          <a:p>
+            <a:pPr marL="179388" indent="-179388">
+              <a:lnSpc>
+                <a:spcPct val="120000"/>
+              </a:lnSpc>
+              <a:buFont typeface="Wingdings" panose="05000000000000000000" pitchFamily="2" charset="2"/>
+              <a:buChar char="Ø"/>
+            </a:pPr>
+            <a:r>
+              <a:rPr lang="ja-JP" altLang="en-US" dirty="0"/>
+              <a:t>挑戦！ </a:t>
+            </a:r>
+            <a:r>
+              <a:rPr lang="en-US" altLang="ja-JP" dirty="0"/>
+              <a:t>word2vec</a:t>
+            </a:r>
+            <a:r>
+              <a:rPr lang="ja-JP" altLang="en-US" dirty="0"/>
+              <a:t>で自然言語処理（</a:t>
+            </a:r>
+            <a:r>
+              <a:rPr lang="en-US" altLang="ja-JP" dirty="0" err="1"/>
+              <a:t>Keras</a:t>
+            </a:r>
+            <a:r>
+              <a:rPr lang="ja-JP" altLang="en-US" dirty="0"/>
+              <a:t>＋</a:t>
+            </a:r>
+            <a:r>
+              <a:rPr lang="en-US" altLang="ja-JP" dirty="0"/>
+              <a:t>TensorFlow</a:t>
+            </a:r>
+            <a:r>
+              <a:rPr lang="ja-JP" altLang="en-US" dirty="0"/>
+              <a:t>使用） </a:t>
+            </a:r>
+            <a:r>
+              <a:rPr lang="en-US" altLang="ja-JP" dirty="0"/>
+              <a:t>(1/2)</a:t>
+            </a:r>
+            <a:r>
+              <a:rPr lang="ja-JP" altLang="en-US" dirty="0"/>
+              <a:t>：ディープラーニング習得、次の一歩 </a:t>
+            </a:r>
+            <a:r>
+              <a:rPr lang="en-US" altLang="ja-JP" dirty="0"/>
+              <a:t>- </a:t>
+            </a:r>
+            <a:r>
+              <a:rPr lang="ja-JP" altLang="en-US" dirty="0"/>
+              <a:t>＠</a:t>
+            </a:r>
+            <a:r>
+              <a:rPr lang="en-US" altLang="ja-JP" dirty="0"/>
+              <a:t>IT </a:t>
+            </a:r>
+            <a:r>
+              <a:rPr lang="en-US" altLang="ja-JP" dirty="0">
+                <a:hlinkClick r:id="rId5"/>
+              </a:rPr>
+              <a:t>https://www.atmarkit.co.jp/ait/articles/1801/30/news139.html</a:t>
+            </a:r>
+            <a:endParaRPr lang="en-US" altLang="ja-JP" dirty="0"/>
+          </a:p>
+          <a:p>
+            <a:pPr marL="179388" indent="-179388">
+              <a:lnSpc>
+                <a:spcPct val="120000"/>
+              </a:lnSpc>
+              <a:buFont typeface="Wingdings" panose="05000000000000000000" pitchFamily="2" charset="2"/>
+              <a:buChar char="Ø"/>
+            </a:pPr>
+            <a:r>
+              <a:rPr lang="en-US" altLang="ja-JP" dirty="0" err="1"/>
+              <a:t>gensim</a:t>
+            </a:r>
+            <a:r>
+              <a:rPr lang="ja-JP" altLang="en-US" dirty="0"/>
+              <a:t>の</a:t>
+            </a:r>
+            <a:r>
+              <a:rPr lang="en-US" altLang="ja-JP" dirty="0"/>
+              <a:t>Word2Vec</a:t>
+            </a:r>
+            <a:r>
+              <a:rPr lang="ja-JP" altLang="en-US" dirty="0"/>
+              <a:t>を使ってみる。 </a:t>
+            </a:r>
+            <a:r>
+              <a:rPr lang="en-US" altLang="ja-JP" dirty="0"/>
+              <a:t>- </a:t>
+            </a:r>
+            <a:r>
+              <a:rPr lang="ja-JP" altLang="en-US" dirty="0"/>
+              <a:t>どん底から這い上がるまでの記録 </a:t>
+            </a:r>
+            <a:r>
+              <a:rPr lang="en-US" altLang="ja-JP" dirty="0">
+                <a:hlinkClick r:id="rId6"/>
+              </a:rPr>
+              <a:t>https://www.pytry3g.com/entry/gensim-word2vec-tutorial#Wikipedia%E3%81%AE%E8%A8%98%E4%BA%8B%E3%82%92%E3%83%80%E3%82%A6%E3%83%B3%E3%83%AD%E3%83%BC%E3%83%89</a:t>
+            </a:r>
+            <a:endParaRPr lang="en-US" altLang="ja-JP" dirty="0"/>
+          </a:p>
+          <a:p>
+            <a:pPr marL="179388" indent="-179388">
+              <a:lnSpc>
+                <a:spcPct val="120000"/>
+              </a:lnSpc>
+              <a:buFont typeface="Wingdings" panose="05000000000000000000" pitchFamily="2" charset="2"/>
+              <a:buChar char="Ø"/>
+            </a:pPr>
+            <a:r>
+              <a:rPr lang="en-US" altLang="ja-JP" dirty="0"/>
+              <a:t>【</a:t>
+            </a:r>
+            <a:r>
+              <a:rPr lang="ja-JP" altLang="en-US" dirty="0"/>
+              <a:t>翻訳技術</a:t>
+            </a:r>
+            <a:r>
+              <a:rPr lang="en-US" altLang="ja-JP" dirty="0"/>
+              <a:t>】seq2seq</a:t>
+            </a:r>
+            <a:r>
+              <a:rPr lang="ja-JP" altLang="en-US" dirty="0"/>
+              <a:t>を実装しながら理解してみた </a:t>
+            </a:r>
+            <a:r>
+              <a:rPr lang="en-US" altLang="ja-JP" dirty="0"/>
+              <a:t>- </a:t>
+            </a:r>
+            <a:r>
+              <a:rPr lang="en-US" altLang="ja-JP" dirty="0" err="1"/>
+              <a:t>omathin</a:t>
+            </a:r>
+            <a:r>
+              <a:rPr lang="en-US" altLang="ja-JP" dirty="0"/>
+              <a:t> blog </a:t>
+            </a:r>
+            <a:r>
+              <a:rPr lang="en-US" altLang="ja-JP" dirty="0">
+                <a:hlinkClick r:id="rId7"/>
+              </a:rPr>
+              <a:t>https://omathin.com/2020/05/17/seq2seq-study/</a:t>
+            </a:r>
+            <a:endParaRPr lang="en-US" altLang="ja-JP" dirty="0"/>
+          </a:p>
+          <a:p>
+            <a:pPr marL="0" indent="0">
+              <a:lnSpc>
+                <a:spcPct val="120000"/>
+              </a:lnSpc>
+              <a:buNone/>
+            </a:pPr>
+            <a:endParaRPr lang="en-US" altLang="ja-JP" dirty="0">
+              <a:latin typeface="+mn-ea"/>
+            </a:endParaRPr>
+          </a:p>
+        </p:txBody>
+      </p:sp>
+    </p:spTree>
+    <p:extLst>
+      <p:ext uri="{BB962C8B-B14F-4D97-AF65-F5344CB8AC3E}">
+        <p14:creationId xmlns:p14="http://schemas.microsoft.com/office/powerpoint/2010/main" val="547774919"/>
+      </p:ext>
+    </p:extLst>
+  </p:cSld>
+  <p:clrMapOvr>
+    <a:masterClrMapping/>
+  </p:clrMapOvr>
+</p:sld>
+</file>
+
+<file path=ppt/slides/slide13.xml><?xml version="1.0" encoding="utf-8"?>
 <p:sld xmlns:a="http://schemas.openxmlformats.org/drawingml/2006/main" xmlns:r="http://schemas.openxmlformats.org/officeDocument/2006/relationships" xmlns:p="http://schemas.openxmlformats.org/presentationml/2006/main">
   <p:cSld>
     <p:spTree>
@@ -31265,7 +31615,7 @@
 </p:sld>
 </file>
 
-<file path=ppt/slides/slide13.xml><?xml version="1.0" encoding="utf-8"?>
+<file path=ppt/slides/slide14.xml><?xml version="1.0" encoding="utf-8"?>
 <p:sld xmlns:a="http://schemas.openxmlformats.org/drawingml/2006/main" xmlns:r="http://schemas.openxmlformats.org/officeDocument/2006/relationships" xmlns:p="http://schemas.openxmlformats.org/presentationml/2006/main">
   <p:cSld>
     <p:spTree>
